--- a/2025/RSCD_MCO/RSCD25.pptx
+++ b/2025/RSCD_MCO/RSCD25.pptx
@@ -10878,13 +10878,13 @@
           <a:lstStyle/>
           <a:p>
             <a:r>
-              <a:rPr lang="ru-RU" dirty="0"/>
+              <a:rPr lang="ru-RU" sz="2200" dirty="0"/>
               <a:t>Существует множество подходов к ускорению решения скалярных задач.</a:t>
             </a:r>
           </a:p>
           <a:p>
             <a:r>
-              <a:rPr lang="ru-RU" dirty="0"/>
+              <a:rPr lang="ru-RU" sz="2200" dirty="0"/>
               <a:t>Нам нужен подход к ускорению решения многокритериальных задач.</a:t>
             </a:r>
           </a:p>
@@ -11125,8 +11125,8 @@
           </a:p>
         </p:txBody>
       </p:sp>
-      <mc:AlternateContent xmlns:mc="http://schemas.openxmlformats.org/markup-compatibility/2006">
-        <mc:Choice xmlns:a14="http://schemas.microsoft.com/office/drawing/2010/main" Requires="a14">
+      <mc:AlternateContent xmlns:mc="http://schemas.openxmlformats.org/markup-compatibility/2006" xmlns:a14="http://schemas.microsoft.com/office/drawing/2010/main">
+        <mc:Choice Requires="a14">
           <p:sp>
             <p:nvSpPr>
               <p:cNvPr id="3" name="Объект 2">
@@ -11416,7 +11416,7 @@
             </p:txBody>
           </p:sp>
         </mc:Choice>
-        <mc:Fallback>
+        <mc:Fallback xmlns="">
           <p:sp>
             <p:nvSpPr>
               <p:cNvPr id="3" name="Объект 2">
@@ -15392,8 +15392,8 @@
           </a:p>
         </p:txBody>
       </p:sp>
-      <mc:AlternateContent xmlns:mc="http://schemas.openxmlformats.org/markup-compatibility/2006">
-        <mc:Choice xmlns:a14="http://schemas.microsoft.com/office/drawing/2010/main" Requires="a14">
+      <mc:AlternateContent xmlns:mc="http://schemas.openxmlformats.org/markup-compatibility/2006" xmlns:a14="http://schemas.microsoft.com/office/drawing/2010/main">
+        <mc:Choice Requires="a14">
           <p:sp>
             <p:nvSpPr>
               <p:cNvPr id="3" name="Объект 2">
@@ -17093,7 +17093,7 @@
             </p:txBody>
           </p:sp>
         </mc:Choice>
-        <mc:Fallback>
+        <mc:Fallback xmlns="">
           <p:sp>
             <p:nvSpPr>
               <p:cNvPr id="3" name="Объект 2">
@@ -19548,19 +19548,27 @@
                 </a:r>
                 <a:r>
                   <a:rPr lang="ru-RU" dirty="0"/>
-                  <a:t>, задаваться в виде </a:t>
+                  <a:t>,</a:t>
+                </a:r>
+                <a:r>
+                  <a:rPr lang="en-US" dirty="0"/>
+                  <a:t> </a:t>
+                </a:r>
+                <a:r>
+                  <a:rPr lang="ru-RU" b="1" dirty="0"/>
+                  <a:t>трудно оцениваемыми</a:t>
+                </a:r>
+                <a:r>
+                  <a:rPr lang="en-US" b="1" dirty="0"/>
+                  <a:t> </a:t>
+                </a:r>
+                <a:r>
+                  <a:rPr lang="ru-RU" dirty="0"/>
+                  <a:t>и задаваться в виде </a:t>
                 </a:r>
                 <a:r>
                   <a:rPr lang="ru-RU" b="1" dirty="0"/>
                   <a:t>«черного ящика»</a:t>
-                </a:r>
-                <a:r>
-                  <a:rPr lang="ru-RU" dirty="0"/>
-                  <a:t> и </a:t>
-                </a:r>
-                <a:r>
-                  <a:rPr lang="ru-RU" b="1" dirty="0"/>
-                  <a:t>трудно оцениваемыми</a:t>
                 </a:r>
                 <a:r>
                   <a:rPr lang="ru-RU" dirty="0"/>
@@ -22153,8 +22161,8 @@
           </a:p>
         </p:txBody>
       </p:sp>
-      <mc:AlternateContent xmlns:mc="http://schemas.openxmlformats.org/markup-compatibility/2006">
-        <mc:Choice xmlns:a14="http://schemas.microsoft.com/office/drawing/2010/main" Requires="a14">
+      <mc:AlternateContent xmlns:mc="http://schemas.openxmlformats.org/markup-compatibility/2006" xmlns:a14="http://schemas.microsoft.com/office/drawing/2010/main">
+        <mc:Choice Requires="a14">
           <p:sp>
             <p:nvSpPr>
               <p:cNvPr id="3" name="Содержимое 2"/>
@@ -23099,7 +23107,7 @@
             </p:txBody>
           </p:sp>
         </mc:Choice>
-        <mc:Fallback>
+        <mc:Fallback xmlns="">
           <p:sp>
             <p:nvSpPr>
               <p:cNvPr id="3" name="Содержимое 2"/>
@@ -23623,8 +23631,8 @@
           </a:p>
         </p:txBody>
       </p:sp>
-      <mc:AlternateContent xmlns:mc="http://schemas.openxmlformats.org/markup-compatibility/2006">
-        <mc:Choice xmlns:a14="http://schemas.microsoft.com/office/drawing/2010/main" Requires="a14">
+      <mc:AlternateContent xmlns:mc="http://schemas.openxmlformats.org/markup-compatibility/2006" xmlns:a14="http://schemas.microsoft.com/office/drawing/2010/main">
+        <mc:Choice Requires="a14">
           <p:sp>
             <p:nvSpPr>
               <p:cNvPr id="3" name="Содержимое 2"/>
@@ -23859,7 +23867,7 @@
             </p:txBody>
           </p:sp>
         </mc:Choice>
-        <mc:Fallback>
+        <mc:Fallback xmlns="">
           <p:sp>
             <p:nvSpPr>
               <p:cNvPr id="3" name="Содержимое 2"/>
@@ -24836,8 +24844,8 @@
           </a:p>
         </p:txBody>
       </p:sp>
-      <mc:AlternateContent xmlns:mc="http://schemas.openxmlformats.org/markup-compatibility/2006">
-        <mc:Choice xmlns:a14="http://schemas.microsoft.com/office/drawing/2010/main" Requires="a14">
+      <mc:AlternateContent xmlns:mc="http://schemas.openxmlformats.org/markup-compatibility/2006" xmlns:a14="http://schemas.microsoft.com/office/drawing/2010/main">
+        <mc:Choice Requires="a14">
           <p:sp>
             <p:nvSpPr>
               <p:cNvPr id="3" name="Содержимое 2"/>
@@ -25412,7 +25420,7 @@
             </p:txBody>
           </p:sp>
         </mc:Choice>
-        <mc:Fallback>
+        <mc:Fallback xmlns="">
           <p:sp>
             <p:nvSpPr>
               <p:cNvPr id="3" name="Содержимое 2"/>
@@ -25802,8 +25810,8 @@
           <a:chExt cx="0" cy="0"/>
         </a:xfrm>
       </p:grpSpPr>
-      <mc:AlternateContent xmlns:mc="http://schemas.openxmlformats.org/markup-compatibility/2006">
-        <mc:Choice xmlns:a14="http://schemas.microsoft.com/office/drawing/2010/main" Requires="a14">
+      <mc:AlternateContent xmlns:mc="http://schemas.openxmlformats.org/markup-compatibility/2006" xmlns:a14="http://schemas.microsoft.com/office/drawing/2010/main">
+        <mc:Choice Requires="a14">
           <p:sp>
             <p:nvSpPr>
               <p:cNvPr id="21509" name="Rectangle 2"/>
@@ -26836,7 +26844,7 @@
             </p:txBody>
           </p:sp>
         </mc:Choice>
-        <mc:Fallback>
+        <mc:Fallback xmlns="">
           <p:sp>
             <p:nvSpPr>
               <p:cNvPr id="21509" name="Rectangle 2"/>

--- a/2025/RSCD_MCO/RSCD25.pptx
+++ b/2025/RSCD_MCO/RSCD25.pptx
@@ -281,7 +281,7 @@
             <a:fld id="{A89EB379-D720-461B-A749-CE4B365CEBE1}" type="datetimeFigureOut">
               <a:rPr lang="en-US" smtClean="0"/>
               <a:pPr/>
-              <a:t>9/25/2025</a:t>
+              <a:t>9/27/2025</a:t>
             </a:fld>
             <a:endParaRPr lang="en-US"/>
           </a:p>
@@ -3735,8 +3735,15 @@
               <a:defRPr/>
             </a:pPr>
             <a:r>
-              <a:rPr lang="en-US"/>
-              <a:t>Parallel Algorithm for Solving Multicriterial Optimization Problems Using Elements of Machine Learning</a:t>
+              <a:rPr lang="en-US" dirty="0"/>
+              <a:t>Parallel Algorithm for Solving Multicriterial Optimization Problems </a:t>
+            </a:r>
+            <a:br>
+              <a:rPr lang="ru-RU" dirty="0"/>
+            </a:br>
+            <a:r>
+              <a:rPr lang="en-US" dirty="0"/>
+              <a:t>Using Elements of Machine Learning</a:t>
             </a:r>
             <a:endParaRPr lang="ru-RU" dirty="0"/>
           </a:p>
@@ -5781,10 +5788,16 @@
               <a:defRPr/>
             </a:pPr>
             <a:r>
-              <a:rPr lang="en-US"/>
-              <a:t>Parallel Algorithm for Solving Multicriterial Optimization Problems Using Elements of Machine Learning</a:t>
-            </a:r>
-            <a:endParaRPr lang="en-US" dirty="0"/>
+              <a:rPr lang="en-US" dirty="0"/>
+              <a:t>Parallel Algorithm for Solving Multicriterial Optimization Problems </a:t>
+            </a:r>
+            <a:br>
+              <a:rPr lang="ru-RU" dirty="0"/>
+            </a:br>
+            <a:r>
+              <a:rPr lang="en-US" dirty="0"/>
+              <a:t>Using Elements of Machine Learning</a:t>
+            </a:r>
           </a:p>
         </p:txBody>
       </p:sp>
@@ -6662,10 +6675,16 @@
               <a:defRPr/>
             </a:pPr>
             <a:r>
-              <a:rPr lang="en-US"/>
-              <a:t>Parallel Algorithm for Solving Multicriterial Optimization Problems Using Elements of Machine Learning</a:t>
-            </a:r>
-            <a:endParaRPr lang="en-US" dirty="0"/>
+              <a:rPr lang="en-US" dirty="0"/>
+              <a:t>Parallel Algorithm for Solving Multicriterial Optimization Problems </a:t>
+            </a:r>
+            <a:br>
+              <a:rPr lang="ru-RU" dirty="0"/>
+            </a:br>
+            <a:r>
+              <a:rPr lang="en-US" dirty="0"/>
+              <a:t>Using Elements of Machine Learning</a:t>
+            </a:r>
           </a:p>
         </p:txBody>
       </p:sp>
@@ -7627,10 +7646,16 @@
               <a:defRPr/>
             </a:pPr>
             <a:r>
-              <a:rPr lang="en-US"/>
-              <a:t>Parallel Algorithm for Solving Multicriterial Optimization Problems Using Elements of Machine Learning</a:t>
-            </a:r>
-            <a:endParaRPr lang="en-US" dirty="0"/>
+              <a:rPr lang="en-US" dirty="0"/>
+              <a:t>Parallel Algorithm for Solving Multicriterial Optimization Problems </a:t>
+            </a:r>
+            <a:br>
+              <a:rPr lang="ru-RU" dirty="0"/>
+            </a:br>
+            <a:r>
+              <a:rPr lang="en-US" dirty="0"/>
+              <a:t>Using Elements of Machine Learning</a:t>
+            </a:r>
           </a:p>
         </p:txBody>
       </p:sp>
@@ -8586,10 +8611,16 @@
               <a:defRPr/>
             </a:pPr>
             <a:r>
-              <a:rPr lang="en-US"/>
-              <a:t>Parallel Algorithm for Solving Multicriterial Optimization Problems Using Elements of Machine Learning</a:t>
-            </a:r>
-            <a:endParaRPr lang="en-US" dirty="0"/>
+              <a:rPr lang="en-US" dirty="0"/>
+              <a:t>Parallel Algorithm for Solving Multicriterial Optimization Problems </a:t>
+            </a:r>
+            <a:br>
+              <a:rPr lang="ru-RU" dirty="0"/>
+            </a:br>
+            <a:r>
+              <a:rPr lang="en-US" dirty="0"/>
+              <a:t>Using Elements of Machine Learning</a:t>
+            </a:r>
           </a:p>
         </p:txBody>
       </p:sp>
@@ -9537,10 +9568,16 @@
               <a:defRPr/>
             </a:pPr>
             <a:r>
-              <a:rPr lang="en-US"/>
-              <a:t>Parallel Algorithm for Solving Multicriterial Optimization Problems Using Elements of Machine Learning</a:t>
-            </a:r>
-            <a:endParaRPr lang="en-US" dirty="0"/>
+              <a:rPr lang="en-US" dirty="0"/>
+              <a:t>Parallel Algorithm for Solving Multicriterial Optimization Problems </a:t>
+            </a:r>
+            <a:br>
+              <a:rPr lang="ru-RU" dirty="0"/>
+            </a:br>
+            <a:r>
+              <a:rPr lang="en-US" dirty="0"/>
+              <a:t>Using Elements of Machine Learning</a:t>
+            </a:r>
           </a:p>
         </p:txBody>
       </p:sp>
@@ -10510,10 +10547,16 @@
               <a:defRPr/>
             </a:pPr>
             <a:r>
-              <a:rPr lang="en-US"/>
-              <a:t>Parallel Algorithm for Solving Multicriterial Optimization Problems Using Elements of Machine Learning</a:t>
-            </a:r>
-            <a:endParaRPr lang="en-US" dirty="0"/>
+              <a:rPr lang="en-US" dirty="0"/>
+              <a:t>Parallel Algorithm for Solving Multicriterial Optimization Problems </a:t>
+            </a:r>
+            <a:br>
+              <a:rPr lang="ru-RU" dirty="0"/>
+            </a:br>
+            <a:r>
+              <a:rPr lang="en-US" dirty="0"/>
+              <a:t>Using Elements of Machine Learning</a:t>
+            </a:r>
           </a:p>
         </p:txBody>
       </p:sp>
@@ -10712,10 +10755,16 @@
               <a:defRPr/>
             </a:pPr>
             <a:r>
-              <a:rPr lang="en-US"/>
-              <a:t>Parallel Algorithm for Solving Multicriterial Optimization Problems Using Elements of Machine Learning</a:t>
-            </a:r>
-            <a:endParaRPr lang="en-US" dirty="0"/>
+              <a:rPr lang="en-US" dirty="0"/>
+              <a:t>Parallel Algorithm for Solving Multicriterial Optimization Problems </a:t>
+            </a:r>
+            <a:br>
+              <a:rPr lang="ru-RU" dirty="0"/>
+            </a:br>
+            <a:r>
+              <a:rPr lang="en-US" dirty="0"/>
+              <a:t>Using Elements of Machine Learning</a:t>
+            </a:r>
           </a:p>
         </p:txBody>
       </p:sp>
@@ -10917,7 +10966,7 @@
         </p:blipFill>
         <p:spPr>
           <a:xfrm>
-            <a:off x="5462952" y="2096820"/>
+            <a:off x="5462952" y="1808788"/>
             <a:ext cx="4205766" cy="3785614"/>
           </a:xfrm>
           <a:prstGeom prst="rect">
@@ -10952,7 +11001,7 @@
         </p:blipFill>
         <p:spPr>
           <a:xfrm>
-            <a:off x="488504" y="2111077"/>
+            <a:off x="488504" y="1823045"/>
             <a:ext cx="4968552" cy="3982219"/>
           </a:xfrm>
           <a:prstGeom prst="rect">
@@ -11017,10 +11066,16 @@
               <a:defRPr/>
             </a:pPr>
             <a:r>
-              <a:rPr lang="en-US"/>
-              <a:t>Parallel Algorithm for Solving Multicriterial Optimization Problems Using Elements of Machine Learning</a:t>
-            </a:r>
-            <a:endParaRPr lang="en-US" dirty="0"/>
+              <a:rPr lang="en-US" dirty="0"/>
+              <a:t>Parallel Algorithm for Solving Multicriterial Optimization Problems </a:t>
+            </a:r>
+            <a:br>
+              <a:rPr lang="ru-RU" dirty="0"/>
+            </a:br>
+            <a:r>
+              <a:rPr lang="en-US" dirty="0"/>
+              <a:t>Using Elements of Machine Learning</a:t>
+            </a:r>
           </a:p>
         </p:txBody>
       </p:sp>
@@ -11125,8 +11180,8 @@
           </a:p>
         </p:txBody>
       </p:sp>
-      <mc:AlternateContent xmlns:mc="http://schemas.openxmlformats.org/markup-compatibility/2006" xmlns:a14="http://schemas.microsoft.com/office/drawing/2010/main">
-        <mc:Choice Requires="a14">
+      <mc:AlternateContent xmlns:mc="http://schemas.openxmlformats.org/markup-compatibility/2006">
+        <mc:Choice xmlns:a14="http://schemas.microsoft.com/office/drawing/2010/main" Requires="a14">
           <p:sp>
             <p:nvSpPr>
               <p:cNvPr id="3" name="Объект 2">
@@ -11328,7 +11383,7 @@
                 </a:pPr>
                 <a:r>
                   <a:rPr lang="ru-RU" dirty="0"/>
-                  <a:t>Построить аппроксимацию множества Парето.</a:t>
+                  <a:t>Построить оценку множества Парето.</a:t>
                 </a:r>
               </a:p>
               <a:p>
@@ -11338,7 +11393,7 @@
                 </a:pPr>
                 <a:r>
                   <a:rPr lang="ru-RU" dirty="0"/>
-                  <a:t>Добавить штраф за отклонение от построенной аппроксимации в правило выбора новой точки испытаний</a:t>
+                  <a:t>Добавить штраф за отклонение от построенной оценки множества Парето в правило выбора новой точки испытаний</a:t>
                 </a:r>
               </a:p>
               <a:p>
@@ -11416,7 +11471,7 @@
             </p:txBody>
           </p:sp>
         </mc:Choice>
-        <mc:Fallback xmlns="">
+        <mc:Fallback>
           <p:sp>
             <p:nvSpPr>
               <p:cNvPr id="3" name="Объект 2">
@@ -11513,10 +11568,16 @@
               <a:defRPr/>
             </a:pPr>
             <a:r>
-              <a:rPr lang="en-US"/>
-              <a:t>Parallel Algorithm for Solving Multicriterial Optimization Problems Using Elements of Machine Learning</a:t>
-            </a:r>
-            <a:endParaRPr lang="en-US" dirty="0"/>
+              <a:rPr lang="en-US" dirty="0"/>
+              <a:t>Parallel Algorithm for Solving Multicriterial Optimization Problems </a:t>
+            </a:r>
+            <a:br>
+              <a:rPr lang="ru-RU" dirty="0"/>
+            </a:br>
+            <a:r>
+              <a:rPr lang="en-US" dirty="0"/>
+              <a:t>Using Elements of Machine Learning</a:t>
+            </a:r>
           </a:p>
         </p:txBody>
       </p:sp>
@@ -11628,7 +11689,9 @@
         </p:nvSpPr>
         <p:spPr/>
         <p:txBody>
-          <a:bodyPr/>
+          <a:bodyPr>
+            <a:normAutofit lnSpcReduction="10000"/>
+          </a:bodyPr>
           <a:lstStyle/>
           <a:p>
             <a:r>
@@ -11682,14 +11745,14 @@
             <a:pPr lvl="1"/>
             <a:r>
               <a:rPr lang="ru-RU" dirty="0"/>
-              <a:t>Построение штрафной функции на основе разделяющей гиперплоскости</a:t>
+              <a:t>Оценка множества Парето с использованием разделяющей гиперплоскости</a:t>
             </a:r>
           </a:p>
           <a:p>
             <a:pPr lvl="1"/>
             <a:r>
               <a:rPr lang="ru-RU" dirty="0"/>
-              <a:t>Построение штрафной функции на основе вероятностей, полученных из моделей машинного обучения</a:t>
+              <a:t>Оценка множества Парето с использованием нелинейных моделей машинного обучения</a:t>
             </a:r>
           </a:p>
           <a:p>
@@ -11758,10 +11821,16 @@
               <a:defRPr/>
             </a:pPr>
             <a:r>
-              <a:rPr lang="en-US"/>
-              <a:t>Parallel Algorithm for Solving Multicriterial Optimization Problems Using Elements of Machine Learning</a:t>
-            </a:r>
-            <a:endParaRPr lang="en-US" dirty="0"/>
+              <a:rPr lang="en-US" dirty="0"/>
+              <a:t>Parallel Algorithm for Solving Multicriterial Optimization Problems </a:t>
+            </a:r>
+            <a:br>
+              <a:rPr lang="ru-RU" dirty="0"/>
+            </a:br>
+            <a:r>
+              <a:rPr lang="en-US" dirty="0"/>
+              <a:t>Using Elements of Machine Learning</a:t>
+            </a:r>
           </a:p>
         </p:txBody>
       </p:sp>
@@ -12368,10 +12437,16 @@
               <a:defRPr/>
             </a:pPr>
             <a:r>
-              <a:rPr lang="en-US"/>
-              <a:t>Parallel Algorithm for Solving Multicriterial Optimization Problems Using Elements of Machine Learning</a:t>
-            </a:r>
-            <a:endParaRPr lang="en-US" dirty="0"/>
+              <a:rPr lang="en-US" dirty="0"/>
+              <a:t>Parallel Algorithm for Solving Multicriterial Optimization Problems </a:t>
+            </a:r>
+            <a:br>
+              <a:rPr lang="ru-RU" dirty="0"/>
+            </a:br>
+            <a:r>
+              <a:rPr lang="en-US" dirty="0"/>
+              <a:t>Using Elements of Machine Learning</a:t>
+            </a:r>
           </a:p>
         </p:txBody>
       </p:sp>
@@ -12533,10 +12608,16 @@
               <a:defRPr/>
             </a:pPr>
             <a:r>
-              <a:rPr lang="en-US"/>
-              <a:t>Parallel Algorithm for Solving Multicriterial Optimization Problems Using Elements of Machine Learning</a:t>
-            </a:r>
-            <a:endParaRPr lang="en-US" dirty="0"/>
+              <a:rPr lang="en-US" dirty="0"/>
+              <a:t>Parallel Algorithm for Solving Multicriterial Optimization Problems </a:t>
+            </a:r>
+            <a:br>
+              <a:rPr lang="ru-RU" dirty="0"/>
+            </a:br>
+            <a:r>
+              <a:rPr lang="en-US" dirty="0"/>
+              <a:t>Using Elements of Machine Learning</a:t>
+            </a:r>
           </a:p>
         </p:txBody>
       </p:sp>
@@ -12953,10 +13034,16 @@
               <a:defRPr/>
             </a:pPr>
             <a:r>
-              <a:rPr lang="en-US"/>
-              <a:t>Parallel Algorithm for Solving Multicriterial Optimization Problems Using Elements of Machine Learning</a:t>
-            </a:r>
-            <a:endParaRPr lang="en-US" dirty="0"/>
+              <a:rPr lang="en-US" dirty="0"/>
+              <a:t>Parallel Algorithm for Solving Multicriterial Optimization Problems </a:t>
+            </a:r>
+            <a:br>
+              <a:rPr lang="ru-RU" dirty="0"/>
+            </a:br>
+            <a:r>
+              <a:rPr lang="en-US" dirty="0"/>
+              <a:t>Using Elements of Machine Learning</a:t>
+            </a:r>
           </a:p>
         </p:txBody>
       </p:sp>
@@ -14334,10 +14421,16 @@
               <a:defRPr/>
             </a:pPr>
             <a:r>
-              <a:rPr lang="en-US"/>
-              <a:t>Parallel Algorithm for Solving Multicriterial Optimization Problems Using Elements of Machine Learning</a:t>
-            </a:r>
-            <a:endParaRPr lang="en-US" dirty="0"/>
+              <a:rPr lang="en-US" dirty="0"/>
+              <a:t>Parallel Algorithm for Solving Multicriterial Optimization Problems </a:t>
+            </a:r>
+            <a:br>
+              <a:rPr lang="ru-RU" dirty="0"/>
+            </a:br>
+            <a:r>
+              <a:rPr lang="en-US" dirty="0"/>
+              <a:t>Using Elements of Machine Learning</a:t>
+            </a:r>
           </a:p>
         </p:txBody>
       </p:sp>
@@ -14527,10 +14620,16 @@
               <a:defRPr/>
             </a:pPr>
             <a:r>
-              <a:rPr lang="en-US"/>
-              <a:t>Parallel Algorithm for Solving Multicriterial Optimization Problems Using Elements of Machine Learning</a:t>
-            </a:r>
-            <a:endParaRPr lang="en-US" dirty="0"/>
+              <a:rPr lang="en-US" dirty="0"/>
+              <a:t>Parallel Algorithm for Solving Multicriterial Optimization Problems </a:t>
+            </a:r>
+            <a:br>
+              <a:rPr lang="ru-RU" dirty="0"/>
+            </a:br>
+            <a:r>
+              <a:rPr lang="en-US" dirty="0"/>
+              <a:t>Using Elements of Machine Learning</a:t>
+            </a:r>
           </a:p>
         </p:txBody>
       </p:sp>
@@ -15055,10 +15154,16 @@
               <a:defRPr/>
             </a:pPr>
             <a:r>
-              <a:rPr lang="en-US"/>
-              <a:t>Parallel Algorithm for Solving Multicriterial Optimization Problems Using Elements of Machine Learning</a:t>
-            </a:r>
-            <a:endParaRPr lang="en-US" dirty="0"/>
+              <a:rPr lang="en-US" dirty="0"/>
+              <a:t>Parallel Algorithm for Solving Multicriterial Optimization Problems </a:t>
+            </a:r>
+            <a:br>
+              <a:rPr lang="ru-RU" dirty="0"/>
+            </a:br>
+            <a:r>
+              <a:rPr lang="en-US" dirty="0"/>
+              <a:t>Using Elements of Machine Learning</a:t>
+            </a:r>
           </a:p>
         </p:txBody>
       </p:sp>
@@ -15248,10 +15353,16 @@
               <a:defRPr/>
             </a:pPr>
             <a:r>
-              <a:rPr lang="en-US"/>
-              <a:t>Parallel Algorithm for Solving Multicriterial Optimization Problems Using Elements of Machine Learning</a:t>
-            </a:r>
-            <a:endParaRPr lang="en-US" dirty="0"/>
+              <a:rPr lang="en-US" dirty="0"/>
+              <a:t>Parallel Algorithm for Solving Multicriterial Optimization Problems </a:t>
+            </a:r>
+            <a:br>
+              <a:rPr lang="ru-RU" dirty="0"/>
+            </a:br>
+            <a:r>
+              <a:rPr lang="en-US" dirty="0"/>
+              <a:t>Using Elements of Machine Learning</a:t>
+            </a:r>
           </a:p>
         </p:txBody>
       </p:sp>
@@ -17190,10 +17301,16 @@
               <a:defRPr/>
             </a:pPr>
             <a:r>
-              <a:rPr lang="en-US"/>
-              <a:t>Parallel Algorithm for Solving Multicriterial Optimization Problems Using Elements of Machine Learning</a:t>
-            </a:r>
-            <a:endParaRPr lang="en-US" dirty="0"/>
+              <a:rPr lang="en-US" dirty="0"/>
+              <a:t>Parallel Algorithm for Solving Multicriterial Optimization Problems </a:t>
+            </a:r>
+            <a:br>
+              <a:rPr lang="ru-RU" dirty="0"/>
+            </a:br>
+            <a:r>
+              <a:rPr lang="en-US" dirty="0"/>
+              <a:t>Using Elements of Machine Learning</a:t>
+            </a:r>
           </a:p>
         </p:txBody>
       </p:sp>
@@ -17385,10 +17502,16 @@
               <a:defRPr/>
             </a:pPr>
             <a:r>
-              <a:rPr lang="en-US"/>
-              <a:t>Parallel Algorithm for Solving Multicriterial Optimization Problems Using Elements of Machine Learning</a:t>
-            </a:r>
-            <a:endParaRPr lang="en-US" dirty="0"/>
+              <a:rPr lang="en-US" dirty="0"/>
+              <a:t>Parallel Algorithm for Solving Multicriterial Optimization Problems </a:t>
+            </a:r>
+            <a:br>
+              <a:rPr lang="ru-RU" dirty="0"/>
+            </a:br>
+            <a:r>
+              <a:rPr lang="en-US" dirty="0"/>
+              <a:t>Using Elements of Machine Learning</a:t>
+            </a:r>
           </a:p>
         </p:txBody>
       </p:sp>
@@ -17623,10 +17746,16 @@
               <a:defRPr/>
             </a:pPr>
             <a:r>
-              <a:rPr lang="en-US"/>
-              <a:t>Parallel Algorithm for Solving Multicriterial Optimization Problems Using Elements of Machine Learning</a:t>
-            </a:r>
-            <a:endParaRPr lang="en-US" dirty="0"/>
+              <a:rPr lang="en-US" dirty="0"/>
+              <a:t>Parallel Algorithm for Solving Multicriterial Optimization Problems </a:t>
+            </a:r>
+            <a:br>
+              <a:rPr lang="ru-RU" dirty="0"/>
+            </a:br>
+            <a:r>
+              <a:rPr lang="en-US" dirty="0"/>
+              <a:t>Using Elements of Machine Learning</a:t>
+            </a:r>
           </a:p>
         </p:txBody>
       </p:sp>
@@ -18531,8 +18660,8 @@
           </a:p>
         </p:txBody>
       </p:sp>
-      <mc:AlternateContent xmlns:mc="http://schemas.openxmlformats.org/markup-compatibility/2006">
-        <mc:Choice xmlns:a14="http://schemas.microsoft.com/office/drawing/2010/main" Requires="a14">
+      <mc:AlternateContent xmlns:mc="http://schemas.openxmlformats.org/markup-compatibility/2006" xmlns:a14="http://schemas.microsoft.com/office/drawing/2010/main">
+        <mc:Choice Requires="a14">
           <p:sp>
             <p:nvSpPr>
               <p:cNvPr id="9" name="Объект 8">
@@ -20055,7 +20184,7 @@
             </p:txBody>
           </p:sp>
         </mc:Choice>
-        <mc:Fallback>
+        <mc:Fallback xmlns="">
           <p:sp>
             <p:nvSpPr>
               <p:cNvPr id="9" name="Объект 8">
@@ -20152,10 +20281,16 @@
               <a:defRPr/>
             </a:pPr>
             <a:r>
-              <a:rPr lang="en-US"/>
-              <a:t>Parallel Algorithm for Solving Multicriterial Optimization Problems Using Elements of Machine Learning</a:t>
-            </a:r>
-            <a:endParaRPr lang="en-US" dirty="0"/>
+              <a:rPr lang="en-US" dirty="0"/>
+              <a:t>Parallel Algorithm for Solving Multicriterial Optimization Problems </a:t>
+            </a:r>
+            <a:br>
+              <a:rPr lang="ru-RU" dirty="0"/>
+            </a:br>
+            <a:r>
+              <a:rPr lang="en-US" dirty="0"/>
+              <a:t>Using Elements of Machine Learning</a:t>
+            </a:r>
           </a:p>
         </p:txBody>
       </p:sp>
@@ -20347,10 +20482,16 @@
               <a:defRPr/>
             </a:pPr>
             <a:r>
-              <a:rPr lang="en-US"/>
-              <a:t>Parallel Algorithm for Solving Multicriterial Optimization Problems Using Elements of Machine Learning</a:t>
-            </a:r>
-            <a:endParaRPr lang="en-US" dirty="0"/>
+              <a:rPr lang="en-US" dirty="0"/>
+              <a:t>Parallel Algorithm for Solving Multicriterial Optimization Problems </a:t>
+            </a:r>
+            <a:br>
+              <a:rPr lang="ru-RU" dirty="0"/>
+            </a:br>
+            <a:r>
+              <a:rPr lang="en-US" dirty="0"/>
+              <a:t>Using Elements of Machine Learning</a:t>
+            </a:r>
           </a:p>
         </p:txBody>
       </p:sp>
@@ -20658,7 +20799,14 @@
             </a:pPr>
             <a:r>
               <a:rPr lang="en-US" sz="1600" dirty="0"/>
-              <a:t>The study  is supported by the program for the development of regional scientific and educational mathematical centers, Agreement No 075-02-2025-1727 with additional agreement No 075-02-2025-1727/1.</a:t>
+              <a:t>The study  is supported by the program for the development of regional scientific and educational </a:t>
+            </a:r>
+            <a:br>
+              <a:rPr lang="ru-RU" sz="1600" dirty="0"/>
+            </a:br>
+            <a:r>
+              <a:rPr lang="en-US" sz="1600" dirty="0"/>
+              <a:t>mathematical centers, Agreement No 075-02-2025-1727 with additional agreement No 075-02-2025-1727/1.</a:t>
             </a:r>
             <a:endParaRPr lang="en-US" sz="1800" dirty="0"/>
           </a:p>
@@ -20725,10 +20873,16 @@
               <a:defRPr/>
             </a:pPr>
             <a:r>
-              <a:rPr lang="en-US"/>
-              <a:t>Parallel Algorithm for Solving Multicriterial Optimization Problems Using Elements of Machine Learning</a:t>
-            </a:r>
-            <a:endParaRPr lang="en-US" dirty="0"/>
+              <a:rPr lang="en-US" dirty="0"/>
+              <a:t>Parallel Algorithm for Solving Multicriterial Optimization Problems </a:t>
+            </a:r>
+            <a:br>
+              <a:rPr lang="ru-RU" dirty="0"/>
+            </a:br>
+            <a:r>
+              <a:rPr lang="en-US" dirty="0"/>
+              <a:t>Using Elements of Machine Learning</a:t>
+            </a:r>
           </a:p>
         </p:txBody>
       </p:sp>
@@ -20922,10 +21076,16 @@
               <a:defRPr/>
             </a:pPr>
             <a:r>
-              <a:rPr lang="en-US"/>
-              <a:t>Parallel Algorithm for Solving Multicriterial Optimization Problems Using Elements of Machine Learning</a:t>
-            </a:r>
-            <a:endParaRPr lang="en-US" dirty="0"/>
+              <a:rPr lang="en-US" dirty="0"/>
+              <a:t>Parallel Algorithm for Solving Multicriterial Optimization Problems </a:t>
+            </a:r>
+            <a:br>
+              <a:rPr lang="ru-RU" dirty="0"/>
+            </a:br>
+            <a:r>
+              <a:rPr lang="en-US" dirty="0"/>
+              <a:t>Using Elements of Machine Learning</a:t>
+            </a:r>
           </a:p>
         </p:txBody>
       </p:sp>
@@ -22059,10 +22219,16 @@
               <a:defRPr/>
             </a:pPr>
             <a:r>
-              <a:rPr lang="en-US"/>
-              <a:t>Parallel Algorithm for Solving Multicriterial Optimization Problems Using Elements of Machine Learning</a:t>
-            </a:r>
-            <a:endParaRPr lang="en-US" dirty="0"/>
+              <a:rPr lang="en-US" dirty="0"/>
+              <a:t>Parallel Algorithm for Solving Multicriterial Optimization Problems </a:t>
+            </a:r>
+            <a:br>
+              <a:rPr lang="ru-RU" dirty="0"/>
+            </a:br>
+            <a:r>
+              <a:rPr lang="en-US" dirty="0"/>
+              <a:t>Using Elements of Machine Learning</a:t>
+            </a:r>
           </a:p>
         </p:txBody>
       </p:sp>
@@ -23486,10 +23652,16 @@
               <a:defRPr/>
             </a:pPr>
             <a:r>
-              <a:rPr lang="en-US"/>
-              <a:t>Parallel Algorithm for Solving Multicriterial Optimization Problems Using Elements of Machine Learning</a:t>
-            </a:r>
-            <a:endParaRPr lang="en-US" dirty="0"/>
+              <a:rPr lang="en-US" dirty="0"/>
+              <a:t>Parallel Algorithm for Solving Multicriterial Optimization Problems </a:t>
+            </a:r>
+            <a:br>
+              <a:rPr lang="ru-RU" dirty="0"/>
+            </a:br>
+            <a:r>
+              <a:rPr lang="en-US" dirty="0"/>
+              <a:t>Using Elements of Machine Learning</a:t>
+            </a:r>
           </a:p>
         </p:txBody>
       </p:sp>
@@ -24741,10 +24913,16 @@
               <a:defRPr/>
             </a:pPr>
             <a:r>
-              <a:rPr lang="en-US"/>
-              <a:t>Parallel Algorithm for Solving Multicriterial Optimization Problems Using Elements of Machine Learning</a:t>
-            </a:r>
-            <a:endParaRPr lang="en-US" dirty="0"/>
+              <a:rPr lang="en-US" dirty="0"/>
+              <a:t>Parallel Algorithm for Solving Multicriterial Optimization Problems </a:t>
+            </a:r>
+            <a:br>
+              <a:rPr lang="ru-RU" dirty="0"/>
+            </a:br>
+            <a:r>
+              <a:rPr lang="en-US" dirty="0"/>
+              <a:t>Using Elements of Machine Learning</a:t>
+            </a:r>
           </a:p>
         </p:txBody>
       </p:sp>
@@ -25692,10 +25870,16 @@
               <a:defRPr/>
             </a:pPr>
             <a:r>
-              <a:rPr lang="en-US"/>
-              <a:t>Parallel Algorithm for Solving Multicriterial Optimization Problems Using Elements of Machine Learning</a:t>
-            </a:r>
-            <a:endParaRPr lang="en-US" dirty="0"/>
+              <a:rPr lang="en-US" dirty="0"/>
+              <a:t>Parallel Algorithm for Solving Multicriterial Optimization Problems </a:t>
+            </a:r>
+            <a:br>
+              <a:rPr lang="ru-RU" dirty="0"/>
+            </a:br>
+            <a:r>
+              <a:rPr lang="en-US" dirty="0"/>
+              <a:t>Using Elements of Machine Learning</a:t>
+            </a:r>
           </a:p>
         </p:txBody>
       </p:sp>
@@ -26967,10 +27151,16 @@
               <a:defRPr/>
             </a:pPr>
             <a:r>
-              <a:rPr lang="en-US"/>
-              <a:t>Parallel Algorithm for Solving Multicriterial Optimization Problems Using Elements of Machine Learning</a:t>
-            </a:r>
-            <a:endParaRPr lang="en-US" dirty="0"/>
+              <a:rPr lang="en-US" dirty="0"/>
+              <a:t>Parallel Algorithm for Solving Multicriterial Optimization Problems </a:t>
+            </a:r>
+            <a:br>
+              <a:rPr lang="ru-RU" dirty="0"/>
+            </a:br>
+            <a:r>
+              <a:rPr lang="en-US" dirty="0"/>
+              <a:t>Using Elements of Machine Learning</a:t>
+            </a:r>
           </a:p>
         </p:txBody>
       </p:sp>
